--- a/PahawangTravelAR.pptx
+++ b/PahawangTravelAR.pptx
@@ -2994,11 +2994,7 @@
             </a:r>
             <a:r>
               <a:rPr lang="en-US" sz="5400" b="1" dirty="0" smtClean="0"/>
-              <a:t>: </a:t>
-            </a:r>
-            <a:r>
-              <a:rPr lang="en-US" sz="5400" b="1" dirty="0" smtClean="0"/>
-              <a:t>AR</a:t>
+              <a:t>: AR</a:t>
             </a:r>
             <a:endParaRPr lang="en-US" sz="5400" b="1" dirty="0"/>
           </a:p>
@@ -3040,7 +3036,7 @@
             <p:ph sz="half" idx="2"/>
           </p:nvPr>
         </p:nvPicPr>
-        <p:blipFill rotWithShape="1">
+        <p:blipFill>
           <a:blip r:embed="rId2">
             <a:extLst>
               <a:ext uri="{28A0092B-C50C-407E-A947-70E740481C1C}">
@@ -3048,13 +3044,14 @@
               </a:ext>
             </a:extLst>
           </a:blip>
-          <a:srcRect l="8184" t="8063" r="8485" b="8604"/>
-          <a:stretch/>
+          <a:stretch>
+            <a:fillRect/>
+          </a:stretch>
         </p:blipFill>
         <p:spPr>
           <a:xfrm>
             <a:off x="1192412" y="3006726"/>
-            <a:ext cx="2743200" cy="2743199"/>
+            <a:ext cx="2743199" cy="2743199"/>
           </a:xfrm>
         </p:spPr>
       </p:pic>
@@ -3161,8 +3158,8 @@
         </p:nvSpPr>
         <p:spPr>
           <a:xfrm>
-            <a:off x="1312708" y="5775346"/>
-            <a:ext cx="2502608" cy="523220"/>
+            <a:off x="810454" y="5775346"/>
+            <a:ext cx="3507114" cy="523220"/>
           </a:xfrm>
           <a:prstGeom prst="rect">
             <a:avLst/>
@@ -3175,8 +3172,8 @@
           <a:lstStyle/>
           <a:p>
             <a:r>
-              <a:rPr lang="en-US" sz="2800" dirty="0" smtClean="0"/>
-              <a:t>bit.ly/2LXy10R</a:t>
+              <a:rPr lang="id-ID" sz="2800" dirty="0" smtClean="0"/>
+              <a:t>ar.pahawangtravel.id</a:t>
             </a:r>
             <a:endParaRPr lang="en-US" sz="2800" dirty="0"/>
           </a:p>
